--- a/chapter-03/04-logs/03_04_logs.pptx
+++ b/chapter-03/04-logs/03_04_logs.pptx
@@ -258,7 +258,7 @@
           <a:p>
             <a:fld id="{7C2A2C10-8C9F-9B42-9862-A5B84F1CAB8B}" type="datetimeFigureOut">
               <a:rPr lang="en-US" smtClean="0"/>
-              <a:t>4/15/2023</a:t>
+              <a:t>4/16/2023</a:t>
             </a:fld>
             <a:endParaRPr lang="en-US"/>
           </a:p>
@@ -15406,13 +15406,19 @@
           <a:p>
             <a:r>
               <a:rPr lang="en-US" dirty="0"/>
-              <a:t>Save the container logs in the ‘logs.txt’ file on your </a:t>
+              <a:t>The Pod must be created in the ‘chapter-03</a:t>
             </a:r>
             <a:r>
               <a:rPr lang="en-US"/>
-              <a:t>home folder</a:t>
+              <a:t>’ namespace</a:t>
             </a:r>
             <a:endParaRPr lang="en-US" dirty="0"/>
+          </a:p>
+          <a:p>
+            <a:r>
+              <a:rPr lang="en-US" dirty="0"/>
+              <a:t>Save the container logs in the ‘logs.txt’ file in your home folder</a:t>
+            </a:r>
           </a:p>
         </p:txBody>
       </p:sp>
